--- a/강의원고/7. 시리얼과 블루투스 통신 프로그래밍(특강).pptx
+++ b/강의원고/7. 시리얼과 블루투스 통신 프로그래밍(특강).pptx
@@ -38,24 +38,24 @@
   <p:notesSz cx="6797675" cy="9874250"/>
   <p:embeddedFontLst>
     <p:embeddedFont>
-      <p:font typeface="Verdana" panose="020B0604030504040204" pitchFamily="34" charset="0"/>
+      <p:font typeface="맑은 고딕" panose="020B0503020000020004" pitchFamily="50" charset="-127"/>
       <p:regular r:id="rId26"/>
       <p:bold r:id="rId27"/>
-      <p:italic r:id="rId28"/>
-      <p:boldItalic r:id="rId29"/>
-    </p:embeddedFont>
-    <p:embeddedFont>
-      <p:font typeface="맑은 고딕" panose="020B0503020000020004" pitchFamily="50" charset="-127"/>
-      <p:regular r:id="rId30"/>
-      <p:bold r:id="rId31"/>
     </p:embeddedFont>
     <p:embeddedFont>
       <p:font typeface="HY헤드라인M" panose="02030600000101010101" pitchFamily="18" charset="-127"/>
-      <p:regular r:id="rId32"/>
+      <p:regular r:id="rId28"/>
     </p:embeddedFont>
     <p:embeddedFont>
       <p:font typeface="HY견고딕" panose="02030600000101010101" pitchFamily="18" charset="-127"/>
-      <p:regular r:id="rId33"/>
+      <p:regular r:id="rId29"/>
+    </p:embeddedFont>
+    <p:embeddedFont>
+      <p:font typeface="Verdana" panose="020B0604030504040204" pitchFamily="34" charset="0"/>
+      <p:regular r:id="rId30"/>
+      <p:bold r:id="rId31"/>
+      <p:italic r:id="rId32"/>
+      <p:boldItalic r:id="rId33"/>
     </p:embeddedFont>
   </p:embeddedFontLst>
   <p:defaultTextStyle>
@@ -334,7 +334,7 @@
               <a:pPr>
                 <a:defRPr/>
               </a:pPr>
-              <a:t>2019-07-30</a:t>
+              <a:t>2019-07-31</a:t>
             </a:fld>
             <a:endParaRPr lang="en-US" altLang="ko-KR"/>
           </a:p>
@@ -545,7 +545,7 @@
               <a:pPr>
                 <a:defRPr/>
               </a:pPr>
-              <a:t>2019-07-30</a:t>
+              <a:t>2019-07-31</a:t>
             </a:fld>
             <a:endParaRPr lang="ko-KR" altLang="en-US"/>
           </a:p>
@@ -4956,7 +4956,7 @@
           <a:graphicData uri="http://schemas.openxmlformats.org/presentationml/2006/ole">
             <mc:AlternateContent xmlns:mc="http://schemas.openxmlformats.org/markup-compatibility/2006">
               <mc:Choice xmlns:v="urn:schemas-microsoft-com:vml" Requires="v">
-                <p:oleObj spid="_x0000_s27653" name="포장기 셸 개체" showAsIcon="1" r:id="rId5" imgW="887400" imgH="514800" progId="Package">
+                <p:oleObj spid="_x0000_s27654" name="포장기 셸 개체" showAsIcon="1" r:id="rId5" imgW="887400" imgH="514800" progId="Package">
                   <p:embed/>
                 </p:oleObj>
               </mc:Choice>
@@ -5290,6 +5290,44 @@
           </a:p>
         </p:txBody>
       </p:sp>
+      <p:sp>
+        <p:nvSpPr>
+          <p:cNvPr id="4" name="TextBox 3"/>
+          <p:cNvSpPr txBox="1"/>
+          <p:nvPr/>
+        </p:nvSpPr>
+        <p:spPr>
+          <a:xfrm>
+            <a:off x="1143000" y="5410200"/>
+            <a:ext cx="7175362" cy="400110"/>
+          </a:xfrm>
+          <a:prstGeom prst="rect">
+            <a:avLst/>
+          </a:prstGeom>
+          <a:noFill/>
+        </p:spPr>
+        <p:txBody>
+          <a:bodyPr wrap="none" rtlCol="0">
+            <a:spAutoFit/>
+          </a:bodyPr>
+          <a:lstStyle/>
+          <a:p>
+            <a:r>
+              <a:rPr lang="en-US" altLang="ko-KR" dirty="0">
+                <a:hlinkClick r:id="rId4"/>
+              </a:rPr>
+              <a:t>https://www.youtube.com/watch?v=xv525sUH7Xg&amp;t=295s</a:t>
+            </a:r>
+            <a:endParaRPr lang="ko-KR" altLang="en-US" dirty="0" smtClean="0">
+              <a:solidFill>
+                <a:srgbClr val="002060"/>
+              </a:solidFill>
+              <a:latin typeface="+mn-ea"/>
+              <a:ea typeface="+mn-ea"/>
+            </a:endParaRPr>
+          </a:p>
+        </p:txBody>
+      </p:sp>
     </p:spTree>
     <p:extLst>
       <p:ext uri="{BB962C8B-B14F-4D97-AF65-F5344CB8AC3E}">
@@ -5604,7 +5642,6 @@
               <a:rPr lang="ko-KR" altLang="en-US" dirty="0"/>
               <a:t> 파이의 블루투스 통신</a:t>
             </a:r>
-            <a:endParaRPr lang="ko-KR" altLang="en-US" dirty="0"/>
           </a:p>
         </p:txBody>
       </p:sp>
@@ -5838,7 +5875,6 @@
               <a:rPr lang="ko-KR" altLang="en-US" dirty="0"/>
               <a:t> 파이의 블루투스 통신</a:t>
             </a:r>
-            <a:endParaRPr lang="ko-KR" altLang="en-US" dirty="0"/>
           </a:p>
         </p:txBody>
       </p:sp>
@@ -5864,7 +5900,7 @@
           <a:graphicData uri="http://schemas.openxmlformats.org/presentationml/2006/ole">
             <mc:AlternateContent xmlns:mc="http://schemas.openxmlformats.org/markup-compatibility/2006">
               <mc:Choice xmlns:v="urn:schemas-microsoft-com:vml" Requires="v">
-                <p:oleObj spid="_x0000_s30729" name="포장기 셸 개체" showAsIcon="1" r:id="rId3" imgW="887400" imgH="514800" progId="Package">
+                <p:oleObj spid="_x0000_s30731" name="포장기 셸 개체" showAsIcon="1" r:id="rId3" imgW="887400" imgH="514800" progId="Package">
                   <p:embed/>
                 </p:oleObj>
               </mc:Choice>
@@ -5921,7 +5957,7 @@
           <a:graphicData uri="http://schemas.openxmlformats.org/presentationml/2006/ole">
             <mc:AlternateContent xmlns:mc="http://schemas.openxmlformats.org/markup-compatibility/2006">
               <mc:Choice xmlns:v="urn:schemas-microsoft-com:vml" Requires="v">
-                <p:oleObj spid="_x0000_s30730" name="포장기 셸 개체" showAsIcon="1" r:id="rId5" imgW="1002240" imgH="514800" progId="Package">
+                <p:oleObj spid="_x0000_s30732" name="포장기 셸 개체" showAsIcon="1" r:id="rId5" imgW="1002240" imgH="514800" progId="Package">
                   <p:embed/>
                 </p:oleObj>
               </mc:Choice>
@@ -6337,7 +6373,6 @@
               <a:rPr lang="ko-KR" altLang="en-US" dirty="0"/>
               <a:t>와 스마트폰의 블루투스 통신</a:t>
             </a:r>
-            <a:endParaRPr lang="ko-KR" altLang="en-US" dirty="0"/>
           </a:p>
         </p:txBody>
       </p:sp>
@@ -6363,7 +6398,7 @@
           <a:graphicData uri="http://schemas.openxmlformats.org/presentationml/2006/ole">
             <mc:AlternateContent xmlns:mc="http://schemas.openxmlformats.org/markup-compatibility/2006">
               <mc:Choice xmlns:v="urn:schemas-microsoft-com:vml" Requires="v">
-                <p:oleObj spid="_x0000_s29703" name="포장기 셸 개체" showAsIcon="1" r:id="rId3" imgW="1002240" imgH="514800" progId="Package">
+                <p:oleObj spid="_x0000_s29704" name="포장기 셸 개체" showAsIcon="1" r:id="rId3" imgW="1002240" imgH="514800" progId="Package">
                   <p:embed/>
                 </p:oleObj>
               </mc:Choice>
@@ -7294,7 +7329,7 @@
           <a:graphicData uri="http://schemas.openxmlformats.org/presentationml/2006/ole">
             <mc:AlternateContent xmlns:mc="http://schemas.openxmlformats.org/markup-compatibility/2006">
               <mc:Choice xmlns:v="urn:schemas-microsoft-com:vml" Requires="v">
-                <p:oleObj spid="_x0000_s19473" name="포장기 셸 개체" showAsIcon="1" r:id="rId3" imgW="1002240" imgH="514800" progId="Package">
+                <p:oleObj spid="_x0000_s19474" name="포장기 셸 개체" showAsIcon="1" r:id="rId3" imgW="1002240" imgH="514800" progId="Package">
                   <p:embed/>
                 </p:oleObj>
               </mc:Choice>
@@ -7809,7 +7844,7 @@
           <a:graphicData uri="http://schemas.openxmlformats.org/presentationml/2006/ole">
             <mc:AlternateContent xmlns:mc="http://schemas.openxmlformats.org/markup-compatibility/2006">
               <mc:Choice xmlns:v="urn:schemas-microsoft-com:vml" Requires="v">
-                <p:oleObj spid="_x0000_s20497" name="포장기 셸 개체" showAsIcon="1" r:id="rId3" imgW="1259640" imgH="514800" progId="Package">
+                <p:oleObj spid="_x0000_s20498" name="포장기 셸 개체" showAsIcon="1" r:id="rId3" imgW="1259640" imgH="514800" progId="Package">
                   <p:embed/>
                 </p:oleObj>
               </mc:Choice>
